--- a/Pygame.pptx
+++ b/Pygame.pptx
@@ -241,8 +241,7 @@
           <a:p>
             <a:fld id="{B25C78D2-076A-44AB-A2EE-444EEB8A722F}" type="datetimeFigureOut">
               <a:rPr lang="ru-RU" smtClean="0"/>
-              <a:pPr/>
-              <a:t>17.01.2023</a:t>
+              <a:t>15.01.2023</a:t>
             </a:fld>
             <a:endParaRPr lang="ru-RU"/>
           </a:p>
@@ -284,7 +283,6 @@
           <a:p>
             <a:fld id="{8AE9ED83-9C33-4DCB-895A-703F978A4CB3}" type="slidenum">
               <a:rPr lang="ru-RU" smtClean="0"/>
-              <a:pPr/>
               <a:t>‹#›</a:t>
             </a:fld>
             <a:endParaRPr lang="ru-RU"/>
@@ -294,7 +292,7 @@
     </p:spTree>
     <p:extLst>
       <p:ext uri="{BB962C8B-B14F-4D97-AF65-F5344CB8AC3E}">
-        <p14:creationId xmlns:p14="http://schemas.microsoft.com/office/powerpoint/2010/main" xmlns="" val="4263832589"/>
+        <p14:creationId xmlns:p14="http://schemas.microsoft.com/office/powerpoint/2010/main" val="4263832589"/>
       </p:ext>
     </p:extLst>
   </p:cSld>
@@ -413,8 +411,7 @@
           <a:p>
             <a:fld id="{B25C78D2-076A-44AB-A2EE-444EEB8A722F}" type="datetimeFigureOut">
               <a:rPr lang="ru-RU" smtClean="0"/>
-              <a:pPr/>
-              <a:t>17.01.2023</a:t>
+              <a:t>15.01.2023</a:t>
             </a:fld>
             <a:endParaRPr lang="ru-RU"/>
           </a:p>
@@ -456,7 +453,6 @@
           <a:p>
             <a:fld id="{8AE9ED83-9C33-4DCB-895A-703F978A4CB3}" type="slidenum">
               <a:rPr lang="ru-RU" smtClean="0"/>
-              <a:pPr/>
               <a:t>‹#›</a:t>
             </a:fld>
             <a:endParaRPr lang="ru-RU"/>
@@ -466,7 +462,7 @@
     </p:spTree>
     <p:extLst>
       <p:ext uri="{BB962C8B-B14F-4D97-AF65-F5344CB8AC3E}">
-        <p14:creationId xmlns:p14="http://schemas.microsoft.com/office/powerpoint/2010/main" xmlns="" val="1775300962"/>
+        <p14:creationId xmlns:p14="http://schemas.microsoft.com/office/powerpoint/2010/main" val="1775300962"/>
       </p:ext>
     </p:extLst>
   </p:cSld>
@@ -595,8 +591,7 @@
           <a:p>
             <a:fld id="{B25C78D2-076A-44AB-A2EE-444EEB8A722F}" type="datetimeFigureOut">
               <a:rPr lang="ru-RU" smtClean="0"/>
-              <a:pPr/>
-              <a:t>17.01.2023</a:t>
+              <a:t>15.01.2023</a:t>
             </a:fld>
             <a:endParaRPr lang="ru-RU"/>
           </a:p>
@@ -638,7 +633,6 @@
           <a:p>
             <a:fld id="{8AE9ED83-9C33-4DCB-895A-703F978A4CB3}" type="slidenum">
               <a:rPr lang="ru-RU" smtClean="0"/>
-              <a:pPr/>
               <a:t>‹#›</a:t>
             </a:fld>
             <a:endParaRPr lang="ru-RU"/>
@@ -648,7 +642,7 @@
     </p:spTree>
     <p:extLst>
       <p:ext uri="{BB962C8B-B14F-4D97-AF65-F5344CB8AC3E}">
-        <p14:creationId xmlns:p14="http://schemas.microsoft.com/office/powerpoint/2010/main" xmlns="" val="708475836"/>
+        <p14:creationId xmlns:p14="http://schemas.microsoft.com/office/powerpoint/2010/main" val="708475836"/>
       </p:ext>
     </p:extLst>
   </p:cSld>
@@ -767,8 +761,7 @@
           <a:p>
             <a:fld id="{B25C78D2-076A-44AB-A2EE-444EEB8A722F}" type="datetimeFigureOut">
               <a:rPr lang="ru-RU" smtClean="0"/>
-              <a:pPr/>
-              <a:t>17.01.2023</a:t>
+              <a:t>15.01.2023</a:t>
             </a:fld>
             <a:endParaRPr lang="ru-RU"/>
           </a:p>
@@ -810,7 +803,6 @@
           <a:p>
             <a:fld id="{8AE9ED83-9C33-4DCB-895A-703F978A4CB3}" type="slidenum">
               <a:rPr lang="ru-RU" smtClean="0"/>
-              <a:pPr/>
               <a:t>‹#›</a:t>
             </a:fld>
             <a:endParaRPr lang="ru-RU"/>
@@ -820,7 +812,7 @@
     </p:spTree>
     <p:extLst>
       <p:ext uri="{BB962C8B-B14F-4D97-AF65-F5344CB8AC3E}">
-        <p14:creationId xmlns:p14="http://schemas.microsoft.com/office/powerpoint/2010/main" xmlns="" val="2496062548"/>
+        <p14:creationId xmlns:p14="http://schemas.microsoft.com/office/powerpoint/2010/main" val="2496062548"/>
       </p:ext>
     </p:extLst>
   </p:cSld>
@@ -1015,8 +1007,7 @@
           <a:p>
             <a:fld id="{B25C78D2-076A-44AB-A2EE-444EEB8A722F}" type="datetimeFigureOut">
               <a:rPr lang="ru-RU" smtClean="0"/>
-              <a:pPr/>
-              <a:t>17.01.2023</a:t>
+              <a:t>15.01.2023</a:t>
             </a:fld>
             <a:endParaRPr lang="ru-RU"/>
           </a:p>
@@ -1058,7 +1049,6 @@
           <a:p>
             <a:fld id="{8AE9ED83-9C33-4DCB-895A-703F978A4CB3}" type="slidenum">
               <a:rPr lang="ru-RU" smtClean="0"/>
-              <a:pPr/>
               <a:t>‹#›</a:t>
             </a:fld>
             <a:endParaRPr lang="ru-RU"/>
@@ -1068,7 +1058,7 @@
     </p:spTree>
     <p:extLst>
       <p:ext uri="{BB962C8B-B14F-4D97-AF65-F5344CB8AC3E}">
-        <p14:creationId xmlns:p14="http://schemas.microsoft.com/office/powerpoint/2010/main" xmlns="" val="3498199469"/>
+        <p14:creationId xmlns:p14="http://schemas.microsoft.com/office/powerpoint/2010/main" val="3498199469"/>
       </p:ext>
     </p:extLst>
   </p:cSld>
@@ -1249,8 +1239,7 @@
           <a:p>
             <a:fld id="{B25C78D2-076A-44AB-A2EE-444EEB8A722F}" type="datetimeFigureOut">
               <a:rPr lang="ru-RU" smtClean="0"/>
-              <a:pPr/>
-              <a:t>17.01.2023</a:t>
+              <a:t>15.01.2023</a:t>
             </a:fld>
             <a:endParaRPr lang="ru-RU"/>
           </a:p>
@@ -1292,7 +1281,6 @@
           <a:p>
             <a:fld id="{8AE9ED83-9C33-4DCB-895A-703F978A4CB3}" type="slidenum">
               <a:rPr lang="ru-RU" smtClean="0"/>
-              <a:pPr/>
               <a:t>‹#›</a:t>
             </a:fld>
             <a:endParaRPr lang="ru-RU"/>
@@ -1302,7 +1290,7 @@
     </p:spTree>
     <p:extLst>
       <p:ext uri="{BB962C8B-B14F-4D97-AF65-F5344CB8AC3E}">
-        <p14:creationId xmlns:p14="http://schemas.microsoft.com/office/powerpoint/2010/main" xmlns="" val="2884495363"/>
+        <p14:creationId xmlns:p14="http://schemas.microsoft.com/office/powerpoint/2010/main" val="2884495363"/>
       </p:ext>
     </p:extLst>
   </p:cSld>
@@ -1618,8 +1606,7 @@
           <a:p>
             <a:fld id="{B25C78D2-076A-44AB-A2EE-444EEB8A722F}" type="datetimeFigureOut">
               <a:rPr lang="ru-RU" smtClean="0"/>
-              <a:pPr/>
-              <a:t>17.01.2023</a:t>
+              <a:t>15.01.2023</a:t>
             </a:fld>
             <a:endParaRPr lang="ru-RU"/>
           </a:p>
@@ -1661,7 +1648,6 @@
           <a:p>
             <a:fld id="{8AE9ED83-9C33-4DCB-895A-703F978A4CB3}" type="slidenum">
               <a:rPr lang="ru-RU" smtClean="0"/>
-              <a:pPr/>
               <a:t>‹#›</a:t>
             </a:fld>
             <a:endParaRPr lang="ru-RU"/>
@@ -1671,7 +1657,7 @@
     </p:spTree>
     <p:extLst>
       <p:ext uri="{BB962C8B-B14F-4D97-AF65-F5344CB8AC3E}">
-        <p14:creationId xmlns:p14="http://schemas.microsoft.com/office/powerpoint/2010/main" xmlns="" val="3423834601"/>
+        <p14:creationId xmlns:p14="http://schemas.microsoft.com/office/powerpoint/2010/main" val="3423834601"/>
       </p:ext>
     </p:extLst>
   </p:cSld>
@@ -1738,8 +1724,7 @@
           <a:p>
             <a:fld id="{B25C78D2-076A-44AB-A2EE-444EEB8A722F}" type="datetimeFigureOut">
               <a:rPr lang="ru-RU" smtClean="0"/>
-              <a:pPr/>
-              <a:t>17.01.2023</a:t>
+              <a:t>15.01.2023</a:t>
             </a:fld>
             <a:endParaRPr lang="ru-RU"/>
           </a:p>
@@ -1781,7 +1766,6 @@
           <a:p>
             <a:fld id="{8AE9ED83-9C33-4DCB-895A-703F978A4CB3}" type="slidenum">
               <a:rPr lang="ru-RU" smtClean="0"/>
-              <a:pPr/>
               <a:t>‹#›</a:t>
             </a:fld>
             <a:endParaRPr lang="ru-RU"/>
@@ -1791,7 +1775,7 @@
     </p:spTree>
     <p:extLst>
       <p:ext uri="{BB962C8B-B14F-4D97-AF65-F5344CB8AC3E}">
-        <p14:creationId xmlns:p14="http://schemas.microsoft.com/office/powerpoint/2010/main" xmlns="" val="3781001115"/>
+        <p14:creationId xmlns:p14="http://schemas.microsoft.com/office/powerpoint/2010/main" val="3781001115"/>
       </p:ext>
     </p:extLst>
   </p:cSld>
@@ -1835,8 +1819,7 @@
           <a:p>
             <a:fld id="{B25C78D2-076A-44AB-A2EE-444EEB8A722F}" type="datetimeFigureOut">
               <a:rPr lang="ru-RU" smtClean="0"/>
-              <a:pPr/>
-              <a:t>17.01.2023</a:t>
+              <a:t>15.01.2023</a:t>
             </a:fld>
             <a:endParaRPr lang="ru-RU"/>
           </a:p>
@@ -1878,7 +1861,6 @@
           <a:p>
             <a:fld id="{8AE9ED83-9C33-4DCB-895A-703F978A4CB3}" type="slidenum">
               <a:rPr lang="ru-RU" smtClean="0"/>
-              <a:pPr/>
               <a:t>‹#›</a:t>
             </a:fld>
             <a:endParaRPr lang="ru-RU"/>
@@ -1888,7 +1870,7 @@
     </p:spTree>
     <p:extLst>
       <p:ext uri="{BB962C8B-B14F-4D97-AF65-F5344CB8AC3E}">
-        <p14:creationId xmlns:p14="http://schemas.microsoft.com/office/powerpoint/2010/main" xmlns="" val="3190187196"/>
+        <p14:creationId xmlns:p14="http://schemas.microsoft.com/office/powerpoint/2010/main" val="3190187196"/>
       </p:ext>
     </p:extLst>
   </p:cSld>
@@ -2114,8 +2096,7 @@
           <a:p>
             <a:fld id="{B25C78D2-076A-44AB-A2EE-444EEB8A722F}" type="datetimeFigureOut">
               <a:rPr lang="ru-RU" smtClean="0"/>
-              <a:pPr/>
-              <a:t>17.01.2023</a:t>
+              <a:t>15.01.2023</a:t>
             </a:fld>
             <a:endParaRPr lang="ru-RU"/>
           </a:p>
@@ -2157,7 +2138,6 @@
           <a:p>
             <a:fld id="{8AE9ED83-9C33-4DCB-895A-703F978A4CB3}" type="slidenum">
               <a:rPr lang="ru-RU" smtClean="0"/>
-              <a:pPr/>
               <a:t>‹#›</a:t>
             </a:fld>
             <a:endParaRPr lang="ru-RU"/>
@@ -2167,7 +2147,7 @@
     </p:spTree>
     <p:extLst>
       <p:ext uri="{BB962C8B-B14F-4D97-AF65-F5344CB8AC3E}">
-        <p14:creationId xmlns:p14="http://schemas.microsoft.com/office/powerpoint/2010/main" xmlns="" val="3521880045"/>
+        <p14:creationId xmlns:p14="http://schemas.microsoft.com/office/powerpoint/2010/main" val="3521880045"/>
       </p:ext>
     </p:extLst>
   </p:cSld>
@@ -2369,8 +2349,7 @@
           <a:p>
             <a:fld id="{B25C78D2-076A-44AB-A2EE-444EEB8A722F}" type="datetimeFigureOut">
               <a:rPr lang="ru-RU" smtClean="0"/>
-              <a:pPr/>
-              <a:t>17.01.2023</a:t>
+              <a:t>15.01.2023</a:t>
             </a:fld>
             <a:endParaRPr lang="ru-RU"/>
           </a:p>
@@ -2412,7 +2391,6 @@
           <a:p>
             <a:fld id="{8AE9ED83-9C33-4DCB-895A-703F978A4CB3}" type="slidenum">
               <a:rPr lang="ru-RU" smtClean="0"/>
-              <a:pPr/>
               <a:t>‹#›</a:t>
             </a:fld>
             <a:endParaRPr lang="ru-RU"/>
@@ -2422,7 +2400,7 @@
     </p:spTree>
     <p:extLst>
       <p:ext uri="{BB962C8B-B14F-4D97-AF65-F5344CB8AC3E}">
-        <p14:creationId xmlns:p14="http://schemas.microsoft.com/office/powerpoint/2010/main" xmlns="" val="3526415061"/>
+        <p14:creationId xmlns:p14="http://schemas.microsoft.com/office/powerpoint/2010/main" val="3526415061"/>
       </p:ext>
     </p:extLst>
   </p:cSld>
@@ -2584,8 +2562,7 @@
           <a:p>
             <a:fld id="{B25C78D2-076A-44AB-A2EE-444EEB8A722F}" type="datetimeFigureOut">
               <a:rPr lang="ru-RU" smtClean="0"/>
-              <a:pPr/>
-              <a:t>17.01.2023</a:t>
+              <a:t>15.01.2023</a:t>
             </a:fld>
             <a:endParaRPr lang="ru-RU"/>
           </a:p>
@@ -2663,7 +2640,6 @@
           <a:p>
             <a:fld id="{8AE9ED83-9C33-4DCB-895A-703F978A4CB3}" type="slidenum">
               <a:rPr lang="ru-RU" smtClean="0"/>
-              <a:pPr/>
               <a:t>‹#›</a:t>
             </a:fld>
             <a:endParaRPr lang="ru-RU"/>
@@ -2673,7 +2649,7 @@
     </p:spTree>
     <p:extLst>
       <p:ext uri="{BB962C8B-B14F-4D97-AF65-F5344CB8AC3E}">
-        <p14:creationId xmlns:p14="http://schemas.microsoft.com/office/powerpoint/2010/main" xmlns="" val="4120879196"/>
+        <p14:creationId xmlns:p14="http://schemas.microsoft.com/office/powerpoint/2010/main" val="4120879196"/>
       </p:ext>
     </p:extLst>
   </p:cSld>
@@ -3060,7 +3036,7 @@
     </p:spTree>
     <p:extLst>
       <p:ext uri="{BB962C8B-B14F-4D97-AF65-F5344CB8AC3E}">
-        <p14:creationId xmlns:p14="http://schemas.microsoft.com/office/powerpoint/2010/main" xmlns="" val="1038720279"/>
+        <p14:creationId xmlns:p14="http://schemas.microsoft.com/office/powerpoint/2010/main" val="1038720279"/>
       </p:ext>
     </p:extLst>
   </p:cSld>
@@ -3139,7 +3115,7 @@
     </p:spTree>
     <p:extLst>
       <p:ext uri="{BB962C8B-B14F-4D97-AF65-F5344CB8AC3E}">
-        <p14:creationId xmlns:p14="http://schemas.microsoft.com/office/powerpoint/2010/main" xmlns="" val="4177335948"/>
+        <p14:creationId xmlns:p14="http://schemas.microsoft.com/office/powerpoint/2010/main" val="4177335948"/>
       </p:ext>
     </p:extLst>
   </p:cSld>
@@ -3234,7 +3210,13 @@
               <a:rPr lang="ru-RU" dirty="0" smtClean="0"/>
               <a:t>Игрок</a:t>
             </a:r>
-            <a:endParaRPr lang="ru-RU" dirty="0" smtClean="0"/>
+          </a:p>
+          <a:p>
+            <a:r>
+              <a:rPr lang="ru-RU" dirty="0" smtClean="0"/>
+              <a:t>Сетка</a:t>
+            </a:r>
+            <a:endParaRPr lang="ru-RU" dirty="0"/>
           </a:p>
         </p:txBody>
       </p:sp>
@@ -3367,7 +3349,7 @@
     </p:spTree>
     <p:extLst>
       <p:ext uri="{BB962C8B-B14F-4D97-AF65-F5344CB8AC3E}">
-        <p14:creationId xmlns:p14="http://schemas.microsoft.com/office/powerpoint/2010/main" xmlns="" val="2996854437"/>
+        <p14:creationId xmlns:p14="http://schemas.microsoft.com/office/powerpoint/2010/main" val="2996854437"/>
       </p:ext>
     </p:extLst>
   </p:cSld>
@@ -3462,7 +3444,7 @@
     </p:spTree>
     <p:extLst>
       <p:ext uri="{BB962C8B-B14F-4D97-AF65-F5344CB8AC3E}">
-        <p14:creationId xmlns:p14="http://schemas.microsoft.com/office/powerpoint/2010/main" xmlns="" val="1948975854"/>
+        <p14:creationId xmlns:p14="http://schemas.microsoft.com/office/powerpoint/2010/main" val="1948975854"/>
       </p:ext>
     </p:extLst>
   </p:cSld>
@@ -3515,7 +3497,7 @@
     </a:clrScheme>
     <a:fontScheme name="Стандартная">
       <a:majorFont>
-        <a:latin typeface="Calibri Light"/>
+        <a:latin typeface="Calibri Light" panose="020F0302020204030204"/>
         <a:ea typeface=""/>
         <a:cs typeface=""/>
         <a:font script="Jpan" typeface="游ゴシック Light"/>
@@ -3550,7 +3532,7 @@
         <a:font script="Geor" typeface="Sylfaen"/>
       </a:majorFont>
       <a:minorFont>
-        <a:latin typeface="Calibri"/>
+        <a:latin typeface="Calibri" panose="020F0502020204030204"/>
         <a:ea typeface=""/>
         <a:cs typeface=""/>
         <a:font script="Jpan" typeface="游ゴシック"/>
@@ -3727,7 +3709,7 @@
   <a:extraClrSchemeLst/>
   <a:extLst>
     <a:ext uri="{05A4C25C-085E-4340-85A3-A5531E510DB2}">
-      <thm15:themeFamily xmlns:thm15="http://schemas.microsoft.com/office/thememl/2012/main" xmlns="" name="Office Theme" id="{62F939B6-93AF-4DB8-9C6B-D6C7DFDC589F}" vid="{4A3C46E8-61CC-4603-A589-7422A47A8E4A}"/>
+      <thm15:themeFamily xmlns:thm15="http://schemas.microsoft.com/office/thememl/2012/main" name="Office Theme" id="{62F939B6-93AF-4DB8-9C6B-D6C7DFDC589F}" vid="{4A3C46E8-61CC-4603-A589-7422A47A8E4A}"/>
     </a:ext>
   </a:extLst>
 </a:theme>
